--- a/project/illustrations/infopanels.pptx
+++ b/project/illustrations/infopanels.pptx
@@ -108,6 +108,11 @@
       </a:defRPr>
     </a:lvl9pPr>
   </p:defaultTextStyle>
+  <p:extLst>
+    <p:ext uri="{EFAFB233-063F-42B5-8137-9DF3F51BA10A}">
+      <p15:sldGuideLst xmlns:p15="http://schemas.microsoft.com/office/powerpoint/2012/main"/>
+    </p:ext>
+  </p:extLst>
 </p:presentation>
 </file>
 
@@ -258,7 +263,7 @@
           <a:p>
             <a:fld id="{3032E8CD-3431-4CF9-9699-1BC1025748DC}" type="datetimeFigureOut">
               <a:rPr lang="en-US" smtClean="0"/>
-              <a:t>12/15/2020</a:t>
+              <a:t>12/19/2020</a:t>
             </a:fld>
             <a:endParaRPr lang="en-US"/>
           </a:p>
@@ -456,7 +461,7 @@
           <a:p>
             <a:fld id="{3032E8CD-3431-4CF9-9699-1BC1025748DC}" type="datetimeFigureOut">
               <a:rPr lang="en-US" smtClean="0"/>
-              <a:t>12/15/2020</a:t>
+              <a:t>12/19/2020</a:t>
             </a:fld>
             <a:endParaRPr lang="en-US"/>
           </a:p>
@@ -664,7 +669,7 @@
           <a:p>
             <a:fld id="{3032E8CD-3431-4CF9-9699-1BC1025748DC}" type="datetimeFigureOut">
               <a:rPr lang="en-US" smtClean="0"/>
-              <a:t>12/15/2020</a:t>
+              <a:t>12/19/2020</a:t>
             </a:fld>
             <a:endParaRPr lang="en-US"/>
           </a:p>
@@ -862,7 +867,7 @@
           <a:p>
             <a:fld id="{3032E8CD-3431-4CF9-9699-1BC1025748DC}" type="datetimeFigureOut">
               <a:rPr lang="en-US" smtClean="0"/>
-              <a:t>12/15/2020</a:t>
+              <a:t>12/19/2020</a:t>
             </a:fld>
             <a:endParaRPr lang="en-US"/>
           </a:p>
@@ -1137,7 +1142,7 @@
           <a:p>
             <a:fld id="{3032E8CD-3431-4CF9-9699-1BC1025748DC}" type="datetimeFigureOut">
               <a:rPr lang="en-US" smtClean="0"/>
-              <a:t>12/15/2020</a:t>
+              <a:t>12/19/2020</a:t>
             </a:fld>
             <a:endParaRPr lang="en-US"/>
           </a:p>
@@ -1402,7 +1407,7 @@
           <a:p>
             <a:fld id="{3032E8CD-3431-4CF9-9699-1BC1025748DC}" type="datetimeFigureOut">
               <a:rPr lang="en-US" smtClean="0"/>
-              <a:t>12/15/2020</a:t>
+              <a:t>12/19/2020</a:t>
             </a:fld>
             <a:endParaRPr lang="en-US"/>
           </a:p>
@@ -1814,7 +1819,7 @@
           <a:p>
             <a:fld id="{3032E8CD-3431-4CF9-9699-1BC1025748DC}" type="datetimeFigureOut">
               <a:rPr lang="en-US" smtClean="0"/>
-              <a:t>12/15/2020</a:t>
+              <a:t>12/19/2020</a:t>
             </a:fld>
             <a:endParaRPr lang="en-US"/>
           </a:p>
@@ -1955,7 +1960,7 @@
           <a:p>
             <a:fld id="{3032E8CD-3431-4CF9-9699-1BC1025748DC}" type="datetimeFigureOut">
               <a:rPr lang="en-US" smtClean="0"/>
-              <a:t>12/15/2020</a:t>
+              <a:t>12/19/2020</a:t>
             </a:fld>
             <a:endParaRPr lang="en-US"/>
           </a:p>
@@ -2068,7 +2073,7 @@
           <a:p>
             <a:fld id="{3032E8CD-3431-4CF9-9699-1BC1025748DC}" type="datetimeFigureOut">
               <a:rPr lang="en-US" smtClean="0"/>
-              <a:t>12/15/2020</a:t>
+              <a:t>12/19/2020</a:t>
             </a:fld>
             <a:endParaRPr lang="en-US"/>
           </a:p>
@@ -2379,7 +2384,7 @@
           <a:p>
             <a:fld id="{3032E8CD-3431-4CF9-9699-1BC1025748DC}" type="datetimeFigureOut">
               <a:rPr lang="en-US" smtClean="0"/>
-              <a:t>12/15/2020</a:t>
+              <a:t>12/19/2020</a:t>
             </a:fld>
             <a:endParaRPr lang="en-US"/>
           </a:p>
@@ -2667,7 +2672,7 @@
           <a:p>
             <a:fld id="{3032E8CD-3431-4CF9-9699-1BC1025748DC}" type="datetimeFigureOut">
               <a:rPr lang="en-US" smtClean="0"/>
-              <a:t>12/15/2020</a:t>
+              <a:t>12/19/2020</a:t>
             </a:fld>
             <a:endParaRPr lang="en-US"/>
           </a:p>
@@ -2908,7 +2913,7 @@
           <a:p>
             <a:fld id="{3032E8CD-3431-4CF9-9699-1BC1025748DC}" type="datetimeFigureOut">
               <a:rPr lang="en-US" smtClean="0"/>
-              <a:t>12/15/2020</a:t>
+              <a:t>12/19/2020</a:t>
             </a:fld>
             <a:endParaRPr lang="en-US"/>
           </a:p>
@@ -3571,7 +3576,7 @@
                 </a:solidFill>
                 <a:latin typeface="Bahnschrift SemiBold" panose="020B0502040204020203" pitchFamily="34" charset="0"/>
               </a:rPr>
-              <a:t>	Bibi Khanum Mosque</a:t>
+              <a:t>	Poi Kalan Mosque</a:t>
             </a:r>
             <a:br>
               <a:rPr lang="en-US" sz="4800" b="1" dirty="0">
@@ -3596,7 +3601,7 @@
                 </a:solidFill>
                 <a:latin typeface="Bahnschrift SemiBold" panose="020B0502040204020203" pitchFamily="34" charset="0"/>
               </a:rPr>
-              <a:t>	Samarkand, Uzbekistan</a:t>
+              <a:t>	Bukhara, Uzbekistan</a:t>
             </a:r>
             <a:br>
               <a:rPr lang="en-US" sz="4800" b="1" dirty="0">
@@ -3621,7 +3626,25 @@
                 </a:solidFill>
                 <a:latin typeface="Bahnschrift SemiBold" panose="020B0502040204020203" pitchFamily="34" charset="0"/>
               </a:rPr>
-              <a:t>	Established 1404 CE (807 AH)</a:t>
+              <a:t>	Established 1514 </a:t>
+            </a:r>
+            <a:r>
+              <a:rPr lang="en-US" sz="4800" b="1">
+                <a:solidFill>
+                  <a:srgbClr val="E9CBF9"/>
+                </a:solidFill>
+                <a:latin typeface="Bahnschrift SemiBold" panose="020B0502040204020203" pitchFamily="34" charset="0"/>
+              </a:rPr>
+              <a:t>CE (920 </a:t>
+            </a:r>
+            <a:r>
+              <a:rPr lang="en-US" sz="4800" b="1" dirty="0">
+                <a:solidFill>
+                  <a:srgbClr val="E9CBF9"/>
+                </a:solidFill>
+                <a:latin typeface="Bahnschrift SemiBold" panose="020B0502040204020203" pitchFamily="34" charset="0"/>
+              </a:rPr>
+              <a:t>AH)</a:t>
             </a:r>
             <a:br>
               <a:rPr lang="en-US" sz="4800" b="1" dirty="0">

--- a/project/illustrations/infopanels.pptx
+++ b/project/illustrations/infopanels.pptx
@@ -6,10 +6,12 @@
   </p:sldMasterIdLst>
   <p:sldIdLst>
     <p:sldId id="256" r:id="rId2"/>
-    <p:sldId id="257" r:id="rId3"/>
-    <p:sldId id="258" r:id="rId4"/>
-    <p:sldId id="259" r:id="rId5"/>
-    <p:sldId id="260" r:id="rId6"/>
+    <p:sldId id="260" r:id="rId3"/>
+    <p:sldId id="261" r:id="rId4"/>
+    <p:sldId id="257" r:id="rId5"/>
+    <p:sldId id="263" r:id="rId6"/>
+    <p:sldId id="259" r:id="rId7"/>
+    <p:sldId id="258" r:id="rId8"/>
   </p:sldIdLst>
   <p:sldSz cx="12192000" cy="6858000"/>
   <p:notesSz cx="6858000" cy="9144000"/>
@@ -263,9 +265,9 @@
           <a:p>
             <a:fld id="{3032E8CD-3431-4CF9-9699-1BC1025748DC}" type="datetimeFigureOut">
               <a:rPr lang="en-US" smtClean="0"/>
-              <a:t>12/19/2020</a:t>
+              <a:t>12/21/2020</a:t>
             </a:fld>
-            <a:endParaRPr lang="en-US"/>
+            <a:endParaRPr lang="en-US" dirty="0"/>
           </a:p>
         </p:txBody>
       </p:sp>
@@ -290,7 +292,7 @@
           <a:bodyPr/>
           <a:lstStyle/>
           <a:p>
-            <a:endParaRPr lang="en-US"/>
+            <a:endParaRPr lang="en-US" dirty="0"/>
           </a:p>
         </p:txBody>
       </p:sp>
@@ -319,7 +321,7 @@
               <a:rPr lang="en-US" smtClean="0"/>
               <a:t>‹#›</a:t>
             </a:fld>
-            <a:endParaRPr lang="en-US"/>
+            <a:endParaRPr lang="en-US" dirty="0"/>
           </a:p>
         </p:txBody>
       </p:sp>
@@ -461,9 +463,9 @@
           <a:p>
             <a:fld id="{3032E8CD-3431-4CF9-9699-1BC1025748DC}" type="datetimeFigureOut">
               <a:rPr lang="en-US" smtClean="0"/>
-              <a:t>12/19/2020</a:t>
+              <a:t>12/21/2020</a:t>
             </a:fld>
-            <a:endParaRPr lang="en-US"/>
+            <a:endParaRPr lang="en-US" dirty="0"/>
           </a:p>
         </p:txBody>
       </p:sp>
@@ -488,7 +490,7 @@
           <a:bodyPr/>
           <a:lstStyle/>
           <a:p>
-            <a:endParaRPr lang="en-US"/>
+            <a:endParaRPr lang="en-US" dirty="0"/>
           </a:p>
         </p:txBody>
       </p:sp>
@@ -517,7 +519,7 @@
               <a:rPr lang="en-US" smtClean="0"/>
               <a:t>‹#›</a:t>
             </a:fld>
-            <a:endParaRPr lang="en-US"/>
+            <a:endParaRPr lang="en-US" dirty="0"/>
           </a:p>
         </p:txBody>
       </p:sp>
@@ -669,9 +671,9 @@
           <a:p>
             <a:fld id="{3032E8CD-3431-4CF9-9699-1BC1025748DC}" type="datetimeFigureOut">
               <a:rPr lang="en-US" smtClean="0"/>
-              <a:t>12/19/2020</a:t>
+              <a:t>12/21/2020</a:t>
             </a:fld>
-            <a:endParaRPr lang="en-US"/>
+            <a:endParaRPr lang="en-US" dirty="0"/>
           </a:p>
         </p:txBody>
       </p:sp>
@@ -696,7 +698,7 @@
           <a:bodyPr/>
           <a:lstStyle/>
           <a:p>
-            <a:endParaRPr lang="en-US"/>
+            <a:endParaRPr lang="en-US" dirty="0"/>
           </a:p>
         </p:txBody>
       </p:sp>
@@ -725,7 +727,7 @@
               <a:rPr lang="en-US" smtClean="0"/>
               <a:t>‹#›</a:t>
             </a:fld>
-            <a:endParaRPr lang="en-US"/>
+            <a:endParaRPr lang="en-US" dirty="0"/>
           </a:p>
         </p:txBody>
       </p:sp>
@@ -867,9 +869,9 @@
           <a:p>
             <a:fld id="{3032E8CD-3431-4CF9-9699-1BC1025748DC}" type="datetimeFigureOut">
               <a:rPr lang="en-US" smtClean="0"/>
-              <a:t>12/19/2020</a:t>
+              <a:t>12/21/2020</a:t>
             </a:fld>
-            <a:endParaRPr lang="en-US"/>
+            <a:endParaRPr lang="en-US" dirty="0"/>
           </a:p>
         </p:txBody>
       </p:sp>
@@ -894,7 +896,7 @@
           <a:bodyPr/>
           <a:lstStyle/>
           <a:p>
-            <a:endParaRPr lang="en-US"/>
+            <a:endParaRPr lang="en-US" dirty="0"/>
           </a:p>
         </p:txBody>
       </p:sp>
@@ -923,7 +925,7 @@
               <a:rPr lang="en-US" smtClean="0"/>
               <a:t>‹#›</a:t>
             </a:fld>
-            <a:endParaRPr lang="en-US"/>
+            <a:endParaRPr lang="en-US" dirty="0"/>
           </a:p>
         </p:txBody>
       </p:sp>
@@ -1142,9 +1144,9 @@
           <a:p>
             <a:fld id="{3032E8CD-3431-4CF9-9699-1BC1025748DC}" type="datetimeFigureOut">
               <a:rPr lang="en-US" smtClean="0"/>
-              <a:t>12/19/2020</a:t>
+              <a:t>12/21/2020</a:t>
             </a:fld>
-            <a:endParaRPr lang="en-US"/>
+            <a:endParaRPr lang="en-US" dirty="0"/>
           </a:p>
         </p:txBody>
       </p:sp>
@@ -1169,7 +1171,7 @@
           <a:bodyPr/>
           <a:lstStyle/>
           <a:p>
-            <a:endParaRPr lang="en-US"/>
+            <a:endParaRPr lang="en-US" dirty="0"/>
           </a:p>
         </p:txBody>
       </p:sp>
@@ -1198,7 +1200,7 @@
               <a:rPr lang="en-US" smtClean="0"/>
               <a:t>‹#›</a:t>
             </a:fld>
-            <a:endParaRPr lang="en-US"/>
+            <a:endParaRPr lang="en-US" dirty="0"/>
           </a:p>
         </p:txBody>
       </p:sp>
@@ -1407,9 +1409,9 @@
           <a:p>
             <a:fld id="{3032E8CD-3431-4CF9-9699-1BC1025748DC}" type="datetimeFigureOut">
               <a:rPr lang="en-US" smtClean="0"/>
-              <a:t>12/19/2020</a:t>
+              <a:t>12/21/2020</a:t>
             </a:fld>
-            <a:endParaRPr lang="en-US"/>
+            <a:endParaRPr lang="en-US" dirty="0"/>
           </a:p>
         </p:txBody>
       </p:sp>
@@ -1434,7 +1436,7 @@
           <a:bodyPr/>
           <a:lstStyle/>
           <a:p>
-            <a:endParaRPr lang="en-US"/>
+            <a:endParaRPr lang="en-US" dirty="0"/>
           </a:p>
         </p:txBody>
       </p:sp>
@@ -1463,7 +1465,7 @@
               <a:rPr lang="en-US" smtClean="0"/>
               <a:t>‹#›</a:t>
             </a:fld>
-            <a:endParaRPr lang="en-US"/>
+            <a:endParaRPr lang="en-US" dirty="0"/>
           </a:p>
         </p:txBody>
       </p:sp>
@@ -1819,9 +1821,9 @@
           <a:p>
             <a:fld id="{3032E8CD-3431-4CF9-9699-1BC1025748DC}" type="datetimeFigureOut">
               <a:rPr lang="en-US" smtClean="0"/>
-              <a:t>12/19/2020</a:t>
+              <a:t>12/21/2020</a:t>
             </a:fld>
-            <a:endParaRPr lang="en-US"/>
+            <a:endParaRPr lang="en-US" dirty="0"/>
           </a:p>
         </p:txBody>
       </p:sp>
@@ -1846,7 +1848,7 @@
           <a:bodyPr/>
           <a:lstStyle/>
           <a:p>
-            <a:endParaRPr lang="en-US"/>
+            <a:endParaRPr lang="en-US" dirty="0"/>
           </a:p>
         </p:txBody>
       </p:sp>
@@ -1875,7 +1877,7 @@
               <a:rPr lang="en-US" smtClean="0"/>
               <a:t>‹#›</a:t>
             </a:fld>
-            <a:endParaRPr lang="en-US"/>
+            <a:endParaRPr lang="en-US" dirty="0"/>
           </a:p>
         </p:txBody>
       </p:sp>
@@ -1960,9 +1962,9 @@
           <a:p>
             <a:fld id="{3032E8CD-3431-4CF9-9699-1BC1025748DC}" type="datetimeFigureOut">
               <a:rPr lang="en-US" smtClean="0"/>
-              <a:t>12/19/2020</a:t>
+              <a:t>12/21/2020</a:t>
             </a:fld>
-            <a:endParaRPr lang="en-US"/>
+            <a:endParaRPr lang="en-US" dirty="0"/>
           </a:p>
         </p:txBody>
       </p:sp>
@@ -1987,7 +1989,7 @@
           <a:bodyPr/>
           <a:lstStyle/>
           <a:p>
-            <a:endParaRPr lang="en-US"/>
+            <a:endParaRPr lang="en-US" dirty="0"/>
           </a:p>
         </p:txBody>
       </p:sp>
@@ -2016,7 +2018,7 @@
               <a:rPr lang="en-US" smtClean="0"/>
               <a:t>‹#›</a:t>
             </a:fld>
-            <a:endParaRPr lang="en-US"/>
+            <a:endParaRPr lang="en-US" dirty="0"/>
           </a:p>
         </p:txBody>
       </p:sp>
@@ -2073,9 +2075,9 @@
           <a:p>
             <a:fld id="{3032E8CD-3431-4CF9-9699-1BC1025748DC}" type="datetimeFigureOut">
               <a:rPr lang="en-US" smtClean="0"/>
-              <a:t>12/19/2020</a:t>
+              <a:t>12/21/2020</a:t>
             </a:fld>
-            <a:endParaRPr lang="en-US"/>
+            <a:endParaRPr lang="en-US" dirty="0"/>
           </a:p>
         </p:txBody>
       </p:sp>
@@ -2100,7 +2102,7 @@
           <a:bodyPr/>
           <a:lstStyle/>
           <a:p>
-            <a:endParaRPr lang="en-US"/>
+            <a:endParaRPr lang="en-US" dirty="0"/>
           </a:p>
         </p:txBody>
       </p:sp>
@@ -2129,7 +2131,7 @@
               <a:rPr lang="en-US" smtClean="0"/>
               <a:t>‹#›</a:t>
             </a:fld>
-            <a:endParaRPr lang="en-US"/>
+            <a:endParaRPr lang="en-US" dirty="0"/>
           </a:p>
         </p:txBody>
       </p:sp>
@@ -2384,9 +2386,9 @@
           <a:p>
             <a:fld id="{3032E8CD-3431-4CF9-9699-1BC1025748DC}" type="datetimeFigureOut">
               <a:rPr lang="en-US" smtClean="0"/>
-              <a:t>12/19/2020</a:t>
+              <a:t>12/21/2020</a:t>
             </a:fld>
-            <a:endParaRPr lang="en-US"/>
+            <a:endParaRPr lang="en-US" dirty="0"/>
           </a:p>
         </p:txBody>
       </p:sp>
@@ -2411,7 +2413,7 @@
           <a:bodyPr/>
           <a:lstStyle/>
           <a:p>
-            <a:endParaRPr lang="en-US"/>
+            <a:endParaRPr lang="en-US" dirty="0"/>
           </a:p>
         </p:txBody>
       </p:sp>
@@ -2440,7 +2442,7 @@
               <a:rPr lang="en-US" smtClean="0"/>
               <a:t>‹#›</a:t>
             </a:fld>
-            <a:endParaRPr lang="en-US"/>
+            <a:endParaRPr lang="en-US" dirty="0"/>
           </a:p>
         </p:txBody>
       </p:sp>
@@ -2574,7 +2576,7 @@
             </a:lvl9pPr>
           </a:lstStyle>
           <a:p>
-            <a:endParaRPr lang="en-US"/>
+            <a:endParaRPr lang="en-US" dirty="0"/>
           </a:p>
         </p:txBody>
       </p:sp>
@@ -2672,9 +2674,9 @@
           <a:p>
             <a:fld id="{3032E8CD-3431-4CF9-9699-1BC1025748DC}" type="datetimeFigureOut">
               <a:rPr lang="en-US" smtClean="0"/>
-              <a:t>12/19/2020</a:t>
+              <a:t>12/21/2020</a:t>
             </a:fld>
-            <a:endParaRPr lang="en-US"/>
+            <a:endParaRPr lang="en-US" dirty="0"/>
           </a:p>
         </p:txBody>
       </p:sp>
@@ -2699,7 +2701,7 @@
           <a:bodyPr/>
           <a:lstStyle/>
           <a:p>
-            <a:endParaRPr lang="en-US"/>
+            <a:endParaRPr lang="en-US" dirty="0"/>
           </a:p>
         </p:txBody>
       </p:sp>
@@ -2728,7 +2730,7 @@
               <a:rPr lang="en-US" smtClean="0"/>
               <a:t>‹#›</a:t>
             </a:fld>
-            <a:endParaRPr lang="en-US"/>
+            <a:endParaRPr lang="en-US" dirty="0"/>
           </a:p>
         </p:txBody>
       </p:sp>
@@ -2913,9 +2915,9 @@
           <a:p>
             <a:fld id="{3032E8CD-3431-4CF9-9699-1BC1025748DC}" type="datetimeFigureOut">
               <a:rPr lang="en-US" smtClean="0"/>
-              <a:t>12/19/2020</a:t>
+              <a:t>12/21/2020</a:t>
             </a:fld>
-            <a:endParaRPr lang="en-US"/>
+            <a:endParaRPr lang="en-US" dirty="0"/>
           </a:p>
         </p:txBody>
       </p:sp>
@@ -2958,7 +2960,7 @@
             </a:lvl1pPr>
           </a:lstStyle>
           <a:p>
-            <a:endParaRPr lang="en-US"/>
+            <a:endParaRPr lang="en-US" dirty="0"/>
           </a:p>
         </p:txBody>
       </p:sp>
@@ -3005,7 +3007,7 @@
               <a:rPr lang="en-US" smtClean="0"/>
               <a:t>‹#›</a:t>
             </a:fld>
-            <a:endParaRPr lang="en-US"/>
+            <a:endParaRPr lang="en-US" dirty="0"/>
           </a:p>
         </p:txBody>
       </p:sp>
@@ -3537,7 +3539,7 @@
         <p:spPr>
           <a:xfrm>
             <a:off x="0" y="58846"/>
-            <a:ext cx="12192000" cy="6001643"/>
+            <a:ext cx="12192000" cy="5509200"/>
           </a:xfrm>
           <a:prstGeom prst="rect">
             <a:avLst/>
@@ -3553,7 +3555,7 @@
           </a:bodyPr>
           <a:lstStyle/>
           <a:p>
-            <a:endParaRPr lang="en-US" sz="4800" b="1" dirty="0">
+            <a:endParaRPr lang="en-US" sz="4400" b="1" dirty="0">
               <a:solidFill>
                 <a:srgbClr val="E9CBF9"/>
               </a:solidFill>
@@ -3561,32 +3563,7 @@
             </a:endParaRPr>
           </a:p>
           <a:p>
-            <a:br>
-              <a:rPr lang="en-US" sz="4800" b="1" dirty="0">
-                <a:solidFill>
-                  <a:srgbClr val="E9CBF9"/>
-                </a:solidFill>
-                <a:latin typeface="Bahnschrift SemiBold" panose="020B0502040204020203" pitchFamily="34" charset="0"/>
-              </a:rPr>
-            </a:br>
-            <a:r>
-              <a:rPr lang="en-US" sz="4800" b="1" dirty="0">
-                <a:solidFill>
-                  <a:srgbClr val="E9CBF9"/>
-                </a:solidFill>
-                <a:latin typeface="Bahnschrift SemiBold" panose="020B0502040204020203" pitchFamily="34" charset="0"/>
-              </a:rPr>
-              <a:t>	Poi Kalan Mosque</a:t>
-            </a:r>
-            <a:br>
-              <a:rPr lang="en-US" sz="4800" b="1" dirty="0">
-                <a:solidFill>
-                  <a:srgbClr val="E9CBF9"/>
-                </a:solidFill>
-                <a:latin typeface="Bahnschrift SemiBold" panose="020B0502040204020203" pitchFamily="34" charset="0"/>
-              </a:rPr>
-            </a:br>
-            <a:endParaRPr lang="en-US" sz="4800" b="1" dirty="0">
+            <a:endParaRPr lang="en-US" sz="4400" b="1" dirty="0">
               <a:solidFill>
                 <a:srgbClr val="E9CBF9"/>
               </a:solidFill>
@@ -3595,23 +3572,39 @@
           </a:p>
           <a:p>
             <a:r>
-              <a:rPr lang="en-US" sz="4800" b="1" dirty="0">
+              <a:rPr lang="en-US" sz="4400" b="1" dirty="0">
                 <a:solidFill>
                   <a:srgbClr val="E9CBF9"/>
                 </a:solidFill>
                 <a:latin typeface="Bahnschrift SemiBold" panose="020B0502040204020203" pitchFamily="34" charset="0"/>
               </a:rPr>
-              <a:t>	Bukhara, Uzbekistan</a:t>
-            </a:r>
-            <a:br>
-              <a:rPr lang="en-US" sz="4800" b="1" dirty="0">
+              <a:t>	Dome of the Rock</a:t>
+            </a:r>
+          </a:p>
+          <a:p>
+            <a:r>
+              <a:rPr lang="en-US" sz="4400" b="1" dirty="0">
                 <a:solidFill>
                   <a:srgbClr val="E9CBF9"/>
                 </a:solidFill>
                 <a:latin typeface="Bahnschrift SemiBold" panose="020B0502040204020203" pitchFamily="34" charset="0"/>
               </a:rPr>
-            </a:br>
-            <a:endParaRPr lang="en-US" sz="4800" b="1" dirty="0">
+              <a:t>	</a:t>
+            </a:r>
+          </a:p>
+          <a:p>
+            <a:r>
+              <a:rPr lang="en-US" sz="4400" b="1" dirty="0">
+                <a:solidFill>
+                  <a:srgbClr val="E9CBF9"/>
+                </a:solidFill>
+                <a:latin typeface="Bahnschrift SemiBold" panose="020B0502040204020203" pitchFamily="34" charset="0"/>
+              </a:rPr>
+              <a:t>	Jerusalem, Palestine</a:t>
+            </a:r>
+          </a:p>
+          <a:p>
+            <a:endParaRPr lang="en-US" sz="4400" b="1" dirty="0">
               <a:solidFill>
                 <a:srgbClr val="E9CBF9"/>
               </a:solidFill>
@@ -3620,41 +3613,23 @@
           </a:p>
           <a:p>
             <a:r>
-              <a:rPr lang="en-US" sz="4800" b="1" dirty="0">
+              <a:rPr lang="en-US" sz="4400" b="1" dirty="0">
                 <a:solidFill>
                   <a:srgbClr val="E9CBF9"/>
                 </a:solidFill>
                 <a:latin typeface="Bahnschrift SemiBold" panose="020B0502040204020203" pitchFamily="34" charset="0"/>
               </a:rPr>
-              <a:t>	Established 1514 </a:t>
-            </a:r>
-            <a:r>
-              <a:rPr lang="en-US" sz="4800" b="1">
-                <a:solidFill>
-                  <a:srgbClr val="E9CBF9"/>
-                </a:solidFill>
-                <a:latin typeface="Bahnschrift SemiBold" panose="020B0502040204020203" pitchFamily="34" charset="0"/>
-              </a:rPr>
-              <a:t>CE (920 </a:t>
-            </a:r>
-            <a:r>
-              <a:rPr lang="en-US" sz="4800" b="1" dirty="0">
-                <a:solidFill>
-                  <a:srgbClr val="E9CBF9"/>
-                </a:solidFill>
-                <a:latin typeface="Bahnschrift SemiBold" panose="020B0502040204020203" pitchFamily="34" charset="0"/>
-              </a:rPr>
-              <a:t>AH)</a:t>
+              <a:t>	Established 692 CE (73 AH)</a:t>
             </a:r>
             <a:br>
-              <a:rPr lang="en-US" sz="4800" b="1" dirty="0">
+              <a:rPr lang="en-US" sz="4400" b="1" dirty="0">
                 <a:solidFill>
                   <a:srgbClr val="E9CBF9"/>
                 </a:solidFill>
                 <a:latin typeface="Bahnschrift SemiBold" panose="020B0502040204020203" pitchFamily="34" charset="0"/>
               </a:rPr>
             </a:br>
-            <a:endParaRPr lang="en-US" sz="4800" b="1" dirty="0">
+            <a:endParaRPr lang="en-US" sz="4400" b="1" dirty="0">
               <a:solidFill>
                 <a:srgbClr val="E9CBF9"/>
               </a:solidFill>
@@ -3666,7 +3641,7 @@
     </p:spTree>
     <p:extLst>
       <p:ext uri="{BB962C8B-B14F-4D97-AF65-F5344CB8AC3E}">
-        <p14:creationId xmlns:p14="http://schemas.microsoft.com/office/powerpoint/2010/main" val="314284244"/>
+        <p14:creationId xmlns:p14="http://schemas.microsoft.com/office/powerpoint/2010/main" val="391531206"/>
       </p:ext>
     </p:extLst>
   </p:cSld>
@@ -3719,7 +3694,7 @@
         <p:spPr>
           <a:xfrm>
             <a:off x="0" y="58846"/>
-            <a:ext cx="12192000" cy="6186309"/>
+            <a:ext cx="12192000" cy="5509200"/>
           </a:xfrm>
           <a:prstGeom prst="rect">
             <a:avLst/>
@@ -3743,6 +3718,14 @@
             </a:endParaRPr>
           </a:p>
           <a:p>
+            <a:endParaRPr lang="en-US" sz="4400" b="1" dirty="0">
+              <a:solidFill>
+                <a:srgbClr val="E9CBF9"/>
+              </a:solidFill>
+              <a:latin typeface="Bahnschrift SemiBold" panose="020B0502040204020203" pitchFamily="34" charset="0"/>
+            </a:endParaRPr>
+          </a:p>
+          <a:p>
             <a:r>
               <a:rPr lang="en-US" sz="4400" b="1" dirty="0">
                 <a:solidFill>
@@ -3750,7 +3733,7 @@
                 </a:solidFill>
                 <a:latin typeface="Bahnschrift SemiBold" panose="020B0502040204020203" pitchFamily="34" charset="0"/>
               </a:rPr>
-              <a:t>	ISBCC</a:t>
+              <a:t>	Al-Rifa’i Mosque</a:t>
             </a:r>
           </a:p>
           <a:p>
@@ -3772,7 +3755,26 @@
                 </a:solidFill>
                 <a:latin typeface="Bahnschrift SemiBold" panose="020B0502040204020203" pitchFamily="34" charset="0"/>
               </a:rPr>
-              <a:t>	Islamic Society of Boston Cultural Center</a:t>
+              <a:t>	Cairo, Egypt</a:t>
+            </a:r>
+          </a:p>
+          <a:p>
+            <a:endParaRPr lang="en-US" sz="4400" b="1" dirty="0">
+              <a:solidFill>
+                <a:srgbClr val="E9CBF9"/>
+              </a:solidFill>
+              <a:latin typeface="Bahnschrift SemiBold" panose="020B0502040204020203" pitchFamily="34" charset="0"/>
+            </a:endParaRPr>
+          </a:p>
+          <a:p>
+            <a:r>
+              <a:rPr lang="en-US" sz="4400" b="1" dirty="0">
+                <a:solidFill>
+                  <a:srgbClr val="E9CBF9"/>
+                </a:solidFill>
+                <a:latin typeface="Bahnschrift SemiBold" panose="020B0502040204020203" pitchFamily="34" charset="0"/>
+              </a:rPr>
+              <a:t>	Established 1361 CE (763 AH)</a:t>
             </a:r>
             <a:br>
               <a:rPr lang="en-US" sz="4400" b="1" dirty="0">
@@ -3789,62 +3791,12 @@
               <a:latin typeface="Bahnschrift SemiBold" panose="020B0502040204020203" pitchFamily="34" charset="0"/>
             </a:endParaRPr>
           </a:p>
-          <a:p>
-            <a:r>
-              <a:rPr lang="en-US" sz="4400" b="1" dirty="0">
-                <a:solidFill>
-                  <a:srgbClr val="E9CBF9"/>
-                </a:solidFill>
-                <a:latin typeface="Bahnschrift SemiBold" panose="020B0502040204020203" pitchFamily="34" charset="0"/>
-              </a:rPr>
-              <a:t>	Boston, Massachusetts, USA</a:t>
-            </a:r>
-            <a:br>
-              <a:rPr lang="en-US" sz="4400" b="1" dirty="0">
-                <a:solidFill>
-                  <a:srgbClr val="E9CBF9"/>
-                </a:solidFill>
-                <a:latin typeface="Bahnschrift SemiBold" panose="020B0502040204020203" pitchFamily="34" charset="0"/>
-              </a:rPr>
-            </a:br>
-            <a:endParaRPr lang="en-US" sz="4400" b="1" dirty="0">
-              <a:solidFill>
-                <a:srgbClr val="E9CBF9"/>
-              </a:solidFill>
-              <a:latin typeface="Bahnschrift SemiBold" panose="020B0502040204020203" pitchFamily="34" charset="0"/>
-            </a:endParaRPr>
-          </a:p>
-          <a:p>
-            <a:r>
-              <a:rPr lang="en-US" sz="4400" b="1" dirty="0">
-                <a:solidFill>
-                  <a:srgbClr val="E9CBF9"/>
-                </a:solidFill>
-                <a:latin typeface="Bahnschrift SemiBold" panose="020B0502040204020203" pitchFamily="34" charset="0"/>
-              </a:rPr>
-              <a:t>	Established 2009 CE (1431 AH)</a:t>
-            </a:r>
-            <a:br>
-              <a:rPr lang="en-US" sz="4400" b="1" dirty="0">
-                <a:solidFill>
-                  <a:srgbClr val="E9CBF9"/>
-                </a:solidFill>
-                <a:latin typeface="Bahnschrift SemiBold" panose="020B0502040204020203" pitchFamily="34" charset="0"/>
-              </a:rPr>
-            </a:br>
-            <a:endParaRPr lang="en-US" sz="4400" b="1" dirty="0">
-              <a:solidFill>
-                <a:srgbClr val="E9CBF9"/>
-              </a:solidFill>
-              <a:latin typeface="Bahnschrift SemiBold" panose="020B0502040204020203" pitchFamily="34" charset="0"/>
-            </a:endParaRPr>
-          </a:p>
         </p:txBody>
       </p:sp>
     </p:spTree>
     <p:extLst>
       <p:ext uri="{BB962C8B-B14F-4D97-AF65-F5344CB8AC3E}">
-        <p14:creationId xmlns:p14="http://schemas.microsoft.com/office/powerpoint/2010/main" val="2681939909"/>
+        <p14:creationId xmlns:p14="http://schemas.microsoft.com/office/powerpoint/2010/main" val="1761847526"/>
       </p:ext>
     </p:extLst>
   </p:cSld>
@@ -3897,7 +3849,7 @@
         <p:spPr>
           <a:xfrm>
             <a:off x="0" y="58846"/>
-            <a:ext cx="12192000" cy="5509200"/>
+            <a:ext cx="12192000" cy="6001643"/>
           </a:xfrm>
           <a:prstGeom prst="rect">
             <a:avLst/>
@@ -3913,7 +3865,7 @@
           </a:bodyPr>
           <a:lstStyle/>
           <a:p>
-            <a:endParaRPr lang="en-US" sz="4400" b="1" dirty="0">
+            <a:endParaRPr lang="en-US" sz="4800" b="1" dirty="0">
               <a:solidFill>
                 <a:srgbClr val="E9CBF9"/>
               </a:solidFill>
@@ -3921,7 +3873,32 @@
             </a:endParaRPr>
           </a:p>
           <a:p>
-            <a:endParaRPr lang="en-US" sz="4400" b="1" dirty="0">
+            <a:br>
+              <a:rPr lang="en-US" sz="4800" b="1" dirty="0">
+                <a:solidFill>
+                  <a:srgbClr val="E9CBF9"/>
+                </a:solidFill>
+                <a:latin typeface="Bahnschrift SemiBold" panose="020B0502040204020203" pitchFamily="34" charset="0"/>
+              </a:rPr>
+            </a:br>
+            <a:r>
+              <a:rPr lang="en-US" sz="4800" b="1" dirty="0">
+                <a:solidFill>
+                  <a:srgbClr val="E9CBF9"/>
+                </a:solidFill>
+                <a:latin typeface="Bahnschrift SemiBold" panose="020B0502040204020203" pitchFamily="34" charset="0"/>
+              </a:rPr>
+              <a:t>	Poi Kalan Mosque</a:t>
+            </a:r>
+            <a:br>
+              <a:rPr lang="en-US" sz="4800" b="1" dirty="0">
+                <a:solidFill>
+                  <a:srgbClr val="E9CBF9"/>
+                </a:solidFill>
+                <a:latin typeface="Bahnschrift SemiBold" panose="020B0502040204020203" pitchFamily="34" charset="0"/>
+              </a:rPr>
+            </a:br>
+            <a:endParaRPr lang="en-US" sz="4800" b="1" dirty="0">
               <a:solidFill>
                 <a:srgbClr val="E9CBF9"/>
               </a:solidFill>
@@ -3930,39 +3907,23 @@
           </a:p>
           <a:p>
             <a:r>
-              <a:rPr lang="en-US" sz="4400" b="1" dirty="0">
+              <a:rPr lang="en-US" sz="4800" b="1" dirty="0">
                 <a:solidFill>
                   <a:srgbClr val="E9CBF9"/>
                 </a:solidFill>
                 <a:latin typeface="Bahnschrift SemiBold" panose="020B0502040204020203" pitchFamily="34" charset="0"/>
               </a:rPr>
-              <a:t>	Jama Masjid</a:t>
-            </a:r>
-          </a:p>
-          <a:p>
-            <a:r>
-              <a:rPr lang="en-US" sz="4400" b="1" dirty="0">
+              <a:t>	Bukhara, Uzbekistan</a:t>
+            </a:r>
+            <a:br>
+              <a:rPr lang="en-US" sz="4800" b="1" dirty="0">
                 <a:solidFill>
                   <a:srgbClr val="E9CBF9"/>
                 </a:solidFill>
                 <a:latin typeface="Bahnschrift SemiBold" panose="020B0502040204020203" pitchFamily="34" charset="0"/>
               </a:rPr>
-              <a:t>	</a:t>
-            </a:r>
-          </a:p>
-          <a:p>
-            <a:r>
-              <a:rPr lang="en-US" sz="4400" b="1" dirty="0">
-                <a:solidFill>
-                  <a:srgbClr val="E9CBF9"/>
-                </a:solidFill>
-                <a:latin typeface="Bahnschrift SemiBold" panose="020B0502040204020203" pitchFamily="34" charset="0"/>
-              </a:rPr>
-              <a:t>	Delhi, India</a:t>
-            </a:r>
-          </a:p>
-          <a:p>
-            <a:endParaRPr lang="en-US" sz="4400" b="1" dirty="0">
+            </a:br>
+            <a:endParaRPr lang="en-US" sz="4800" b="1" dirty="0">
               <a:solidFill>
                 <a:srgbClr val="E9CBF9"/>
               </a:solidFill>
@@ -3971,23 +3932,23 @@
           </a:p>
           <a:p>
             <a:r>
-              <a:rPr lang="en-US" sz="4400" b="1" dirty="0">
+              <a:rPr lang="en-US" sz="4800" b="1" dirty="0">
                 <a:solidFill>
                   <a:srgbClr val="E9CBF9"/>
                 </a:solidFill>
                 <a:latin typeface="Bahnschrift SemiBold" panose="020B0502040204020203" pitchFamily="34" charset="0"/>
               </a:rPr>
-              <a:t>	Established 1656 CE (1067 AH)</a:t>
+              <a:t>	Established 1514 CE (920 AH)</a:t>
             </a:r>
             <a:br>
-              <a:rPr lang="en-US" sz="4400" b="1" dirty="0">
+              <a:rPr lang="en-US" sz="4800" b="1" dirty="0">
                 <a:solidFill>
                   <a:srgbClr val="E9CBF9"/>
                 </a:solidFill>
                 <a:latin typeface="Bahnschrift SemiBold" panose="020B0502040204020203" pitchFamily="34" charset="0"/>
               </a:rPr>
             </a:br>
-            <a:endParaRPr lang="en-US" sz="4400" b="1" dirty="0">
+            <a:endParaRPr lang="en-US" sz="4800" b="1" dirty="0">
               <a:solidFill>
                 <a:srgbClr val="E9CBF9"/>
               </a:solidFill>
@@ -3999,7 +3960,7 @@
     </p:spTree>
     <p:extLst>
       <p:ext uri="{BB962C8B-B14F-4D97-AF65-F5344CB8AC3E}">
-        <p14:creationId xmlns:p14="http://schemas.microsoft.com/office/powerpoint/2010/main" val="2573012004"/>
+        <p14:creationId xmlns:p14="http://schemas.microsoft.com/office/powerpoint/2010/main" val="314284244"/>
       </p:ext>
     </p:extLst>
   </p:cSld>
@@ -4052,6 +4013,187 @@
         <p:spPr>
           <a:xfrm>
             <a:off x="0" y="58846"/>
+            <a:ext cx="12192000" cy="6740307"/>
+          </a:xfrm>
+          <a:prstGeom prst="rect">
+            <a:avLst/>
+          </a:prstGeom>
+          <a:noFill/>
+          <a:ln w="76200">
+            <a:noFill/>
+          </a:ln>
+        </p:spPr>
+        <p:txBody>
+          <a:bodyPr wrap="square" rtlCol="0">
+            <a:spAutoFit/>
+          </a:bodyPr>
+          <a:lstStyle/>
+          <a:p>
+            <a:br>
+              <a:rPr lang="en-US" sz="4800" b="1" dirty="0">
+                <a:solidFill>
+                  <a:srgbClr val="E9CBF9"/>
+                </a:solidFill>
+                <a:latin typeface="Bahnschrift SemiBold" panose="020B0502040204020203" pitchFamily="34" charset="0"/>
+              </a:rPr>
+            </a:br>
+            <a:r>
+              <a:rPr lang="en-US" sz="4800" b="1" dirty="0">
+                <a:solidFill>
+                  <a:srgbClr val="E9CBF9"/>
+                </a:solidFill>
+                <a:latin typeface="Bahnschrift SemiBold" panose="020B0502040204020203" pitchFamily="34" charset="0"/>
+              </a:rPr>
+              <a:t>	Sultan Ahmed Camii</a:t>
+            </a:r>
+            <a:br>
+              <a:rPr lang="en-US" sz="4800" b="1" dirty="0">
+                <a:solidFill>
+                  <a:srgbClr val="E9CBF9"/>
+                </a:solidFill>
+                <a:latin typeface="Bahnschrift SemiBold" panose="020B0502040204020203" pitchFamily="34" charset="0"/>
+              </a:rPr>
+            </a:br>
+            <a:endParaRPr lang="en-US" sz="4800" b="1" dirty="0">
+              <a:solidFill>
+                <a:srgbClr val="E9CBF9"/>
+              </a:solidFill>
+              <a:latin typeface="Bahnschrift SemiBold" panose="020B0502040204020203" pitchFamily="34" charset="0"/>
+            </a:endParaRPr>
+          </a:p>
+          <a:p>
+            <a:r>
+              <a:rPr lang="en-US" sz="4800" b="1" dirty="0">
+                <a:solidFill>
+                  <a:srgbClr val="E9CBF9"/>
+                </a:solidFill>
+                <a:latin typeface="Bahnschrift SemiBold" panose="020B0502040204020203" pitchFamily="34" charset="0"/>
+              </a:rPr>
+              <a:t>	The Blue Mosque</a:t>
+            </a:r>
+            <a:br>
+              <a:rPr lang="en-US" sz="4800" b="1" dirty="0">
+                <a:solidFill>
+                  <a:srgbClr val="E9CBF9"/>
+                </a:solidFill>
+                <a:latin typeface="Bahnschrift SemiBold" panose="020B0502040204020203" pitchFamily="34" charset="0"/>
+              </a:rPr>
+            </a:br>
+            <a:endParaRPr lang="en-US" sz="4800" b="1" dirty="0">
+              <a:solidFill>
+                <a:srgbClr val="E9CBF9"/>
+              </a:solidFill>
+              <a:latin typeface="Bahnschrift SemiBold" panose="020B0502040204020203" pitchFamily="34" charset="0"/>
+            </a:endParaRPr>
+          </a:p>
+          <a:p>
+            <a:r>
+              <a:rPr lang="en-US" sz="4800" b="1" dirty="0">
+                <a:solidFill>
+                  <a:srgbClr val="E9CBF9"/>
+                </a:solidFill>
+                <a:latin typeface="Bahnschrift SemiBold" panose="020B0502040204020203" pitchFamily="34" charset="0"/>
+              </a:rPr>
+              <a:t>	Istanbul, Turkey</a:t>
+            </a:r>
+            <a:br>
+              <a:rPr lang="en-US" sz="4800" b="1" dirty="0">
+                <a:solidFill>
+                  <a:srgbClr val="E9CBF9"/>
+                </a:solidFill>
+                <a:latin typeface="Bahnschrift SemiBold" panose="020B0502040204020203" pitchFamily="34" charset="0"/>
+              </a:rPr>
+            </a:br>
+            <a:endParaRPr lang="en-US" sz="4800" b="1" dirty="0">
+              <a:solidFill>
+                <a:srgbClr val="E9CBF9"/>
+              </a:solidFill>
+              <a:latin typeface="Bahnschrift SemiBold" panose="020B0502040204020203" pitchFamily="34" charset="0"/>
+            </a:endParaRPr>
+          </a:p>
+          <a:p>
+            <a:r>
+              <a:rPr lang="en-US" sz="4800" b="1" dirty="0">
+                <a:solidFill>
+                  <a:srgbClr val="E9CBF9"/>
+                </a:solidFill>
+                <a:latin typeface="Bahnschrift SemiBold" panose="020B0502040204020203" pitchFamily="34" charset="0"/>
+              </a:rPr>
+              <a:t>	Established 1616 CE (1025 AH)</a:t>
+            </a:r>
+            <a:br>
+              <a:rPr lang="en-US" sz="4800" b="1" dirty="0">
+                <a:solidFill>
+                  <a:srgbClr val="E9CBF9"/>
+                </a:solidFill>
+                <a:latin typeface="Bahnschrift SemiBold" panose="020B0502040204020203" pitchFamily="34" charset="0"/>
+              </a:rPr>
+            </a:br>
+            <a:endParaRPr lang="en-US" sz="4800" b="1" dirty="0">
+              <a:solidFill>
+                <a:srgbClr val="E9CBF9"/>
+              </a:solidFill>
+              <a:latin typeface="Bahnschrift SemiBold" panose="020B0502040204020203" pitchFamily="34" charset="0"/>
+            </a:endParaRPr>
+          </a:p>
+        </p:txBody>
+      </p:sp>
+    </p:spTree>
+    <p:extLst>
+      <p:ext uri="{BB962C8B-B14F-4D97-AF65-F5344CB8AC3E}">
+        <p14:creationId xmlns:p14="http://schemas.microsoft.com/office/powerpoint/2010/main" val="1117687424"/>
+      </p:ext>
+    </p:extLst>
+  </p:cSld>
+  <p:clrMapOvr>
+    <a:masterClrMapping/>
+  </p:clrMapOvr>
+</p:sld>
+</file>
+
+<file path=ppt/slides/slide6.xml><?xml version="1.0" encoding="utf-8"?>
+<p:sld xmlns:a="http://schemas.openxmlformats.org/drawingml/2006/main" xmlns:r="http://schemas.openxmlformats.org/officeDocument/2006/relationships" xmlns:p="http://schemas.openxmlformats.org/presentationml/2006/main">
+  <p:cSld>
+    <p:bg>
+      <p:bgPr>
+        <a:solidFill>
+          <a:schemeClr val="tx1">
+            <a:lumMod val="75000"/>
+            <a:lumOff val="25000"/>
+          </a:schemeClr>
+        </a:solidFill>
+        <a:effectLst/>
+      </p:bgPr>
+    </p:bg>
+    <p:spTree>
+      <p:nvGrpSpPr>
+        <p:cNvPr id="1" name=""/>
+        <p:cNvGrpSpPr/>
+        <p:nvPr/>
+      </p:nvGrpSpPr>
+      <p:grpSpPr>
+        <a:xfrm>
+          <a:off x="0" y="0"/>
+          <a:ext cx="0" cy="0"/>
+          <a:chOff x="0" y="0"/>
+          <a:chExt cx="0" cy="0"/>
+        </a:xfrm>
+      </p:grpSpPr>
+      <p:sp>
+        <p:nvSpPr>
+          <p:cNvPr id="4" name="TextBox 3">
+            <a:extLst>
+              <a:ext uri="{FF2B5EF4-FFF2-40B4-BE49-F238E27FC236}">
+                <a16:creationId xmlns:a16="http://schemas.microsoft.com/office/drawing/2014/main" id="{2D24C07F-F0B0-42D9-BE16-1EE174A95743}"/>
+              </a:ext>
+            </a:extLst>
+          </p:cNvPr>
+          <p:cNvSpPr txBox="1"/>
+          <p:nvPr/>
+        </p:nvSpPr>
+        <p:spPr>
+          <a:xfrm>
+            <a:off x="0" y="58846"/>
             <a:ext cx="12192000" cy="5509200"/>
           </a:xfrm>
           <a:prstGeom prst="rect">
@@ -4091,7 +4233,7 @@
                 </a:solidFill>
                 <a:latin typeface="Bahnschrift SemiBold" panose="020B0502040204020203" pitchFamily="34" charset="0"/>
               </a:rPr>
-              <a:t>	Dome of the Rock</a:t>
+              <a:t>	Jama Masjid</a:t>
             </a:r>
           </a:p>
           <a:p>
@@ -4113,7 +4255,7 @@
                 </a:solidFill>
                 <a:latin typeface="Bahnschrift SemiBold" panose="020B0502040204020203" pitchFamily="34" charset="0"/>
               </a:rPr>
-              <a:t>	Jerusalem, Palestine</a:t>
+              <a:t>	Delhi, India</a:t>
             </a:r>
           </a:p>
           <a:p>
@@ -4132,7 +4274,7 @@
                 </a:solidFill>
                 <a:latin typeface="Bahnschrift SemiBold" panose="020B0502040204020203" pitchFamily="34" charset="0"/>
               </a:rPr>
-              <a:t>	Established 692 CE (73 AH)</a:t>
+              <a:t>	Established 1656 CE (1067 AH)</a:t>
             </a:r>
             <a:br>
               <a:rPr lang="en-US" sz="4400" b="1" dirty="0">
@@ -4154,7 +4296,185 @@
     </p:spTree>
     <p:extLst>
       <p:ext uri="{BB962C8B-B14F-4D97-AF65-F5344CB8AC3E}">
-        <p14:creationId xmlns:p14="http://schemas.microsoft.com/office/powerpoint/2010/main" val="391531206"/>
+        <p14:creationId xmlns:p14="http://schemas.microsoft.com/office/powerpoint/2010/main" val="2573012004"/>
+      </p:ext>
+    </p:extLst>
+  </p:cSld>
+  <p:clrMapOvr>
+    <a:masterClrMapping/>
+  </p:clrMapOvr>
+</p:sld>
+</file>
+
+<file path=ppt/slides/slide7.xml><?xml version="1.0" encoding="utf-8"?>
+<p:sld xmlns:a="http://schemas.openxmlformats.org/drawingml/2006/main" xmlns:r="http://schemas.openxmlformats.org/officeDocument/2006/relationships" xmlns:p="http://schemas.openxmlformats.org/presentationml/2006/main">
+  <p:cSld>
+    <p:bg>
+      <p:bgPr>
+        <a:solidFill>
+          <a:schemeClr val="tx1">
+            <a:lumMod val="75000"/>
+            <a:lumOff val="25000"/>
+          </a:schemeClr>
+        </a:solidFill>
+        <a:effectLst/>
+      </p:bgPr>
+    </p:bg>
+    <p:spTree>
+      <p:nvGrpSpPr>
+        <p:cNvPr id="1" name=""/>
+        <p:cNvGrpSpPr/>
+        <p:nvPr/>
+      </p:nvGrpSpPr>
+      <p:grpSpPr>
+        <a:xfrm>
+          <a:off x="0" y="0"/>
+          <a:ext cx="0" cy="0"/>
+          <a:chOff x="0" y="0"/>
+          <a:chExt cx="0" cy="0"/>
+        </a:xfrm>
+      </p:grpSpPr>
+      <p:sp>
+        <p:nvSpPr>
+          <p:cNvPr id="4" name="TextBox 3">
+            <a:extLst>
+              <a:ext uri="{FF2B5EF4-FFF2-40B4-BE49-F238E27FC236}">
+                <a16:creationId xmlns:a16="http://schemas.microsoft.com/office/drawing/2014/main" id="{2D24C07F-F0B0-42D9-BE16-1EE174A95743}"/>
+              </a:ext>
+            </a:extLst>
+          </p:cNvPr>
+          <p:cNvSpPr txBox="1"/>
+          <p:nvPr/>
+        </p:nvSpPr>
+        <p:spPr>
+          <a:xfrm>
+            <a:off x="0" y="58846"/>
+            <a:ext cx="12192000" cy="6186309"/>
+          </a:xfrm>
+          <a:prstGeom prst="rect">
+            <a:avLst/>
+          </a:prstGeom>
+          <a:noFill/>
+          <a:ln w="76200">
+            <a:noFill/>
+          </a:ln>
+        </p:spPr>
+        <p:txBody>
+          <a:bodyPr wrap="square" rtlCol="0">
+            <a:spAutoFit/>
+          </a:bodyPr>
+          <a:lstStyle/>
+          <a:p>
+            <a:endParaRPr lang="en-US" sz="4400" b="1" dirty="0">
+              <a:solidFill>
+                <a:srgbClr val="E9CBF9"/>
+              </a:solidFill>
+              <a:latin typeface="Bahnschrift SemiBold" panose="020B0502040204020203" pitchFamily="34" charset="0"/>
+            </a:endParaRPr>
+          </a:p>
+          <a:p>
+            <a:r>
+              <a:rPr lang="en-US" sz="4400" b="1" dirty="0">
+                <a:solidFill>
+                  <a:srgbClr val="E9CBF9"/>
+                </a:solidFill>
+                <a:latin typeface="Bahnschrift SemiBold" panose="020B0502040204020203" pitchFamily="34" charset="0"/>
+              </a:rPr>
+              <a:t>	ISBCC</a:t>
+            </a:r>
+          </a:p>
+          <a:p>
+            <a:r>
+              <a:rPr lang="en-US" sz="4400" b="1" dirty="0">
+                <a:solidFill>
+                  <a:srgbClr val="E9CBF9"/>
+                </a:solidFill>
+                <a:latin typeface="Bahnschrift SemiBold" panose="020B0502040204020203" pitchFamily="34" charset="0"/>
+              </a:rPr>
+              <a:t>	</a:t>
+            </a:r>
+          </a:p>
+          <a:p>
+            <a:r>
+              <a:rPr lang="en-US" sz="4400" b="1" dirty="0">
+                <a:solidFill>
+                  <a:srgbClr val="E9CBF9"/>
+                </a:solidFill>
+                <a:latin typeface="Bahnschrift SemiBold" panose="020B0502040204020203" pitchFamily="34" charset="0"/>
+              </a:rPr>
+              <a:t>	Islamic Society of Boston Cultural Center</a:t>
+            </a:r>
+            <a:br>
+              <a:rPr lang="en-US" sz="4400" b="1" dirty="0">
+                <a:solidFill>
+                  <a:srgbClr val="E9CBF9"/>
+                </a:solidFill>
+                <a:latin typeface="Bahnschrift SemiBold" panose="020B0502040204020203" pitchFamily="34" charset="0"/>
+              </a:rPr>
+            </a:br>
+            <a:endParaRPr lang="en-US" sz="4400" b="1" dirty="0">
+              <a:solidFill>
+                <a:srgbClr val="E9CBF9"/>
+              </a:solidFill>
+              <a:latin typeface="Bahnschrift SemiBold" panose="020B0502040204020203" pitchFamily="34" charset="0"/>
+            </a:endParaRPr>
+          </a:p>
+          <a:p>
+            <a:r>
+              <a:rPr lang="en-US" sz="4400" b="1" dirty="0">
+                <a:solidFill>
+                  <a:srgbClr val="E9CBF9"/>
+                </a:solidFill>
+                <a:latin typeface="Bahnschrift SemiBold" panose="020B0502040204020203" pitchFamily="34" charset="0"/>
+              </a:rPr>
+              <a:t>	Boston, Massachusetts, USA</a:t>
+            </a:r>
+            <a:br>
+              <a:rPr lang="en-US" sz="4400" b="1" dirty="0">
+                <a:solidFill>
+                  <a:srgbClr val="E9CBF9"/>
+                </a:solidFill>
+                <a:latin typeface="Bahnschrift SemiBold" panose="020B0502040204020203" pitchFamily="34" charset="0"/>
+              </a:rPr>
+            </a:br>
+            <a:endParaRPr lang="en-US" sz="4400" b="1" dirty="0">
+              <a:solidFill>
+                <a:srgbClr val="E9CBF9"/>
+              </a:solidFill>
+              <a:latin typeface="Bahnschrift SemiBold" panose="020B0502040204020203" pitchFamily="34" charset="0"/>
+            </a:endParaRPr>
+          </a:p>
+          <a:p>
+            <a:r>
+              <a:rPr lang="en-US" sz="4400" b="1" dirty="0">
+                <a:solidFill>
+                  <a:srgbClr val="E9CBF9"/>
+                </a:solidFill>
+                <a:latin typeface="Bahnschrift SemiBold" panose="020B0502040204020203" pitchFamily="34" charset="0"/>
+              </a:rPr>
+              <a:t>	Established 2009 CE (1431 AH)</a:t>
+            </a:r>
+            <a:br>
+              <a:rPr lang="en-US" sz="4400" b="1" dirty="0">
+                <a:solidFill>
+                  <a:srgbClr val="E9CBF9"/>
+                </a:solidFill>
+                <a:latin typeface="Bahnschrift SemiBold" panose="020B0502040204020203" pitchFamily="34" charset="0"/>
+              </a:rPr>
+            </a:br>
+            <a:endParaRPr lang="en-US" sz="4400" b="1" dirty="0">
+              <a:solidFill>
+                <a:srgbClr val="E9CBF9"/>
+              </a:solidFill>
+              <a:latin typeface="Bahnschrift SemiBold" panose="020B0502040204020203" pitchFamily="34" charset="0"/>
+            </a:endParaRPr>
+          </a:p>
+        </p:txBody>
+      </p:sp>
+    </p:spTree>
+    <p:extLst>
+      <p:ext uri="{BB962C8B-B14F-4D97-AF65-F5344CB8AC3E}">
+        <p14:creationId xmlns:p14="http://schemas.microsoft.com/office/powerpoint/2010/main" val="2681939909"/>
       </p:ext>
     </p:extLst>
   </p:cSld>
